--- a/private/Fourier.pptx
+++ b/private/Fourier.pptx
@@ -13,8 +13,9 @@
     <p:sldId id="261" r:id="rId8"/>
     <p:sldId id="263" r:id="rId9"/>
     <p:sldId id="264" r:id="rId10"/>
-    <p:sldId id="262" r:id="rId11"/>
-    <p:sldId id="265" r:id="rId12"/>
+    <p:sldId id="269" r:id="rId11"/>
+    <p:sldId id="262" r:id="rId12"/>
+    <p:sldId id="265" r:id="rId13"/>
   </p:sldIdLst>
   <p:sldSz cx="12192000" cy="6858000"/>
   <p:notesSz cx="7103745" cy="10234295"/>
@@ -3373,6 +3374,46 @@
       <p:grpSpPr/>
       <p:sp>
         <p:nvSpPr>
+          <p:cNvPr id="4" name="Title 3"/>
+          <p:cNvSpPr>
+            <a:spLocks noGrp="1"/>
+          </p:cNvSpPr>
+          <p:nvPr>
+            <p:ph type="title"/>
+          </p:nvPr>
+        </p:nvSpPr>
+        <p:spPr/>
+        <p:txBody>
+          <a:bodyPr/>
+          <a:p>
+            <a:r>
+              <a:rPr lang="pl-PL" altLang="en-US"/>
+              <a:t>Demo</a:t>
+            </a:r>
+            <a:endParaRPr lang="pl-PL" altLang="en-US"/>
+          </a:p>
+        </p:txBody>
+      </p:sp>
+    </p:spTree>
+  </p:cSld>
+  <p:clrMapOvr>
+    <a:masterClrMapping/>
+  </p:clrMapOvr>
+</p:sld>
+</file>
+
+<file path=ppt/slides/slide11.xml><?xml version="1.0" encoding="utf-8"?>
+<p:sld xmlns:a="http://schemas.openxmlformats.org/drawingml/2006/main" xmlns:r="http://schemas.openxmlformats.org/officeDocument/2006/relationships" xmlns:p="http://schemas.openxmlformats.org/presentationml/2006/main">
+  <p:cSld>
+    <p:spTree>
+      <p:nvGrpSpPr>
+        <p:cNvPr id="1" name=""/>
+        <p:cNvGrpSpPr/>
+        <p:nvPr/>
+      </p:nvGrpSpPr>
+      <p:grpSpPr/>
+      <p:sp>
+        <p:nvSpPr>
           <p:cNvPr id="3" name="Title 2"/>
           <p:cNvSpPr>
             <a:spLocks noGrp="1"/>
@@ -3409,21 +3450,28 @@
           <a:p>
             <a:r>
               <a:rPr lang="pl-PL" altLang="en-US" sz="3000"/>
-              <a:t>Poprawić jakość nadawania - zastosować sygnały STOP i START, używać sum kontrolnych, przyporządkować literom częstotliwości zwracając uwagę na częstotliwość ich występowania w alfabecie</a:t>
+              <a:t>Zadbać o niezawodność nadawania - zastosować sygnały STOP i START, używać sum kontrolnych, przyporządkować literom częstotliwości zwracając uwagę na częstotliwość ich występowania w alfabecie</a:t>
             </a:r>
             <a:endParaRPr lang="pl-PL" altLang="en-US" sz="3000"/>
           </a:p>
           <a:p>
             <a:r>
               <a:rPr lang="pl-PL" altLang="en-US" sz="3000"/>
-              <a:t>Zwiększyć szybkość nadawania - zamiast przyjętej arbitralnie jednej sekundy na literę sprawdzić, jak szybko można przesyłać dane</a:t>
+              <a:t>Zwiększyć szybkość nadawania - zamiast przyjętej arbitralnie jednej sekundy (pół na literę i pół na sygnał NEXT) sprawdzić, jak szybko można przesyłać dane</a:t>
             </a:r>
             <a:endParaRPr lang="pl-PL" altLang="en-US" sz="3000"/>
           </a:p>
           <a:p>
             <a:r>
               <a:rPr lang="pl-PL" altLang="en-US" sz="3000"/>
-              <a:t>Rozpocząć przesyłanie małych plików - jeżeli uda się uzyskać odpowiednią dokładność przesyłanych danych i odpowiednią szybkość transmisji rozpocząć przesyłanie plików</a:t>
+              <a:t>Rozpocząć przesyłanie małych plików</a:t>
+            </a:r>
+            <a:endParaRPr lang="pl-PL" altLang="en-US" sz="3000"/>
+          </a:p>
+          <a:p>
+            <a:r>
+              <a:rPr lang="pl-PL" altLang="en-US" sz="3000"/>
+              <a:t>Wprowadzić synchronizację opartą na czasie a nie sygnale NEXT, żeby użytkownik mógł zakłócać transmisję</a:t>
             </a:r>
             <a:endParaRPr lang="pl-PL" altLang="en-US" sz="3000"/>
           </a:p>
@@ -3930,7 +3978,7 @@
       <p:grpSpPr/>
       <p:sp>
         <p:nvSpPr>
-          <p:cNvPr id="4" name="Title 3"/>
+          <p:cNvPr id="3" name="Title 2"/>
           <p:cNvSpPr>
             <a:spLocks noGrp="1"/>
           </p:cNvSpPr>
@@ -3944,9 +3992,38 @@
           <a:p>
             <a:r>
               <a:rPr lang="pl-PL" altLang="en-US"/>
-              <a:t>Demo</a:t>
+              <a:t>Napotkane trudności i ich rozwiązania</a:t>
             </a:r>
             <a:endParaRPr lang="pl-PL" altLang="en-US"/>
+          </a:p>
+        </p:txBody>
+      </p:sp>
+      <p:sp>
+        <p:nvSpPr>
+          <p:cNvPr id="4" name="Content Placeholder 3"/>
+          <p:cNvSpPr>
+            <a:spLocks noGrp="1"/>
+          </p:cNvSpPr>
+          <p:nvPr>
+            <p:ph idx="1"/>
+          </p:nvPr>
+        </p:nvSpPr>
+        <p:spPr/>
+        <p:txBody>
+          <a:bodyPr/>
+          <a:p>
+            <a:r>
+              <a:rPr lang="pl-PL" altLang="en-US" sz="3000"/>
+              <a:t>Problem - początkowo nadawanie miało bardzo dużą niedokładność - traciliśmy poszczególne litery albo były one źle odbierane</a:t>
+            </a:r>
+            <a:endParaRPr lang="pl-PL" altLang="en-US" sz="3000"/>
+          </a:p>
+          <a:p>
+            <a:r>
+              <a:rPr lang="pl-PL" altLang="en-US" sz="3000"/>
+              <a:t>Rozwiązanie - poprawić algorytm określania częstotliwości dźwięku (nie ograniczać się do samej transformacji Fouriera) i dodać sygnał NEXT ułatwiający synchronizację</a:t>
+            </a:r>
+            <a:endParaRPr lang="pl-PL" altLang="en-US" sz="3000"/>
           </a:p>
         </p:txBody>
       </p:sp>

--- a/private/Fourier.pptx
+++ b/private/Fourier.pptx
@@ -3547,7 +3547,7 @@
           <a:p>
             <a:r>
               <a:rPr lang="pl-PL" altLang="en-US"/>
-              <a:t>Nadając tekst wysyłamy jednosekundowe czyste tony o częstotliwościach odpowiadającym kolejnym literą</a:t>
+              <a:t>Nadając tekst wysyłamy jednosekundowe czyste tony o częstotliwościach odpowiadającym kolejnym literom</a:t>
             </a:r>
             <a:endParaRPr lang="pl-PL" altLang="en-US"/>
           </a:p>
@@ -4014,7 +4014,7 @@
           <a:p>
             <a:r>
               <a:rPr lang="pl-PL" altLang="en-US" sz="3000"/>
-              <a:t>Problem - początkowo nadawanie miało bardzo dużą niedokładność - traciliśmy poszczególne litery albo były one źle odbierane</a:t>
+              <a:t>Problem - początkowo odbieranie miało bardzo dużą niedokładność - traciliśmy poszczególne litery albo były one źle odbierane</a:t>
             </a:r>
             <a:endParaRPr lang="pl-PL" altLang="en-US" sz="3000"/>
           </a:p>
